--- a/Presentations/2025_Summit/2025_Oct_27_Summit_Use_case.pptx
+++ b/Presentations/2025_Summit/2025_Oct_27_Summit_Use_case.pptx
@@ -5,28 +5,26 @@
     <p:sldMasterId id="2147483648" r:id="rId4"/>
   </p:sldMasterIdLst>
   <p:notesMasterIdLst>
-    <p:notesMasterId r:id="rId11"/>
+    <p:notesMasterId r:id="rId9"/>
   </p:notesMasterIdLst>
   <p:handoutMasterIdLst>
-    <p:handoutMasterId r:id="rId12"/>
+    <p:handoutMasterId r:id="rId10"/>
   </p:handoutMasterIdLst>
   <p:sldIdLst>
     <p:sldId id="379" r:id="rId5"/>
     <p:sldId id="432" r:id="rId6"/>
     <p:sldId id="461" r:id="rId7"/>
-    <p:sldId id="462" r:id="rId8"/>
-    <p:sldId id="463" r:id="rId9"/>
-    <p:sldId id="348" r:id="rId10"/>
+    <p:sldId id="348" r:id="rId8"/>
   </p:sldIdLst>
   <p:sldSz cx="18288000" cy="10287000"/>
   <p:notesSz cx="6858000" cy="9144000"/>
   <p:embeddedFontLst>
     <p:embeddedFont>
       <p:font typeface="Aptos SemiBold" panose="020B0004020202020204" pitchFamily="34" charset="0"/>
-      <p:regular r:id="rId13"/>
-      <p:bold r:id="rId14"/>
-      <p:italic r:id="rId15"/>
-      <p:boldItalic r:id="rId16"/>
+      <p:regular r:id="rId11"/>
+      <p:bold r:id="rId12"/>
+      <p:italic r:id="rId13"/>
+      <p:boldItalic r:id="rId14"/>
     </p:embeddedFont>
   </p:embeddedFontLst>
   <p:defaultTextStyle>
@@ -3231,7 +3229,7 @@
           <a:p>
             <a:fld id="{8028D1E4-4BBA-6F41-9D9B-7C498DFA1119}" type="datetimeFigureOut">
               <a:rPr lang="en-US" smtClean="0"/>
-              <a:t>10/19/2025</a:t>
+              <a:t>10/21/2025</a:t>
             </a:fld>
             <a:endParaRPr lang="en-US"/>
           </a:p>
@@ -3408,7 +3406,7 @@
           <a:p>
             <a:fld id="{761ABE01-8AD2-744F-9651-CCC9DC857332}" type="datetimeFigureOut">
               <a:rPr lang="en-US" smtClean="0"/>
-              <a:t>10/19/2025</a:t>
+              <a:t>10/21/2025</a:t>
             </a:fld>
             <a:endParaRPr lang="en-US"/>
           </a:p>
@@ -5434,7 +5432,7 @@
             <a:fld id="{1D8BD707-D9CF-40AE-B4C6-C98DA3205C09}" type="datetimeFigureOut">
               <a:rPr lang="en-US" smtClean="0"/>
               <a:pPr/>
-              <a:t>10/19/2025</a:t>
+              <a:t>10/21/2025</a:t>
             </a:fld>
             <a:endParaRPr lang="en-US" dirty="0"/>
           </a:p>
@@ -6141,6 +6139,238 @@
           <a:bodyPr/>
           <a:lstStyle/>
           <a:p>
+            <a:r>
+              <a:rPr lang="en-US" sz="2800" dirty="0" err="1">
+                <a:latin typeface="+mj-lt"/>
+              </a:rPr>
+              <a:t>SolarPose</a:t>
+            </a:r>
+            <a:r>
+              <a:rPr lang="en-US" sz="2800" dirty="0">
+                <a:latin typeface="+mj-lt"/>
+              </a:rPr>
+              <a:t> is an early demo web service for solar </a:t>
+            </a:r>
+            <a:r>
+              <a:rPr lang="en-US" sz="2800" dirty="0" err="1">
+                <a:latin typeface="+mj-lt"/>
+              </a:rPr>
+              <a:t>GeoPose</a:t>
+            </a:r>
+            <a:endParaRPr lang="en-US" sz="2800" dirty="0">
+              <a:latin typeface="+mj-lt"/>
+            </a:endParaRPr>
+          </a:p>
+          <a:p>
+            <a:r>
+              <a:rPr lang="en-US" sz="2800" dirty="0">
+                <a:latin typeface="+mj-lt"/>
+              </a:rPr>
+              <a:t>The service provides sample </a:t>
+            </a:r>
+            <a:r>
+              <a:rPr lang="en-US" sz="2800" dirty="0" err="1">
+                <a:latin typeface="+mj-lt"/>
+              </a:rPr>
+              <a:t>GeoPoses</a:t>
+            </a:r>
+            <a:r>
+              <a:rPr lang="en-US" sz="2800" dirty="0">
+                <a:latin typeface="+mj-lt"/>
+              </a:rPr>
+              <a:t> of all types and includes a Swagger validator</a:t>
+            </a:r>
+          </a:p>
+          <a:p>
+            <a:r>
+              <a:rPr lang="en-US" sz="2800" dirty="0" err="1">
+                <a:latin typeface="+mj-lt"/>
+              </a:rPr>
+              <a:t>SolarPose</a:t>
+            </a:r>
+            <a:r>
+              <a:rPr lang="en-US" sz="2800" dirty="0">
+                <a:latin typeface="+mj-lt"/>
+              </a:rPr>
+              <a:t> responds to HTTPS GET requests for examples of any of the JSON-encoded Standardization Targets, giving a single or sequence of </a:t>
+            </a:r>
+            <a:r>
+              <a:rPr lang="en-US" sz="2800" dirty="0" err="1">
+                <a:latin typeface="+mj-lt"/>
+              </a:rPr>
+              <a:t>GeoPoses</a:t>
+            </a:r>
+            <a:r>
+              <a:rPr lang="en-US" sz="2800" dirty="0">
+                <a:latin typeface="+mj-lt"/>
+              </a:rPr>
+              <a:t> for a specified latitude, longitude, and Unix time - default time "Now". It also responds to HTTPS POST requests to validate examples of any of the Standardization Targets. To see the </a:t>
+            </a:r>
+            <a:r>
+              <a:rPr lang="en-US" sz="2800" dirty="0" err="1">
+                <a:latin typeface="+mj-lt"/>
+              </a:rPr>
+              <a:t>OpenAPI</a:t>
+            </a:r>
+            <a:r>
+              <a:rPr lang="en-US" sz="2800" dirty="0">
+                <a:latin typeface="+mj-lt"/>
+              </a:rPr>
+              <a:t>/Swagger spec for the service, visit the </a:t>
+            </a:r>
+            <a:r>
+              <a:rPr lang="en-US" sz="2800" u="sng" dirty="0" err="1">
+                <a:latin typeface="+mj-lt"/>
+                <a:hlinkClick r:id="rId2"/>
+              </a:rPr>
+              <a:t>SolarPose</a:t>
+            </a:r>
+            <a:r>
+              <a:rPr lang="en-US" sz="2800" u="sng" dirty="0">
+                <a:latin typeface="+mj-lt"/>
+                <a:hlinkClick r:id="rId2"/>
+              </a:rPr>
+              <a:t> Swagger - </a:t>
+            </a:r>
+            <a:r>
+              <a:rPr lang="en-US" sz="2800" u="sng" dirty="0" err="1">
+                <a:latin typeface="+mj-lt"/>
+                <a:hlinkClick r:id="rId2"/>
+              </a:rPr>
+              <a:t>OpenAPI</a:t>
+            </a:r>
+            <a:r>
+              <a:rPr lang="en-US" sz="2800" dirty="0">
+                <a:latin typeface="+mj-lt"/>
+              </a:rPr>
+              <a:t> UI.</a:t>
+            </a:r>
+          </a:p>
+          <a:p>
+            <a:r>
+              <a:rPr lang="en-US" sz="2800" dirty="0">
+                <a:latin typeface="+mj-lt"/>
+              </a:rPr>
+              <a:t>The </a:t>
+            </a:r>
+            <a:r>
+              <a:rPr lang="en-US" sz="2800" dirty="0" err="1">
+                <a:latin typeface="+mj-lt"/>
+              </a:rPr>
+              <a:t>GeoPoses</a:t>
+            </a:r>
+            <a:r>
+              <a:rPr lang="en-US" sz="2800" dirty="0">
+                <a:latin typeface="+mj-lt"/>
+              </a:rPr>
+              <a:t> provided in the samples and in the validator are the pose of a camera or other body located at the anchor location of the </a:t>
+            </a:r>
+            <a:r>
+              <a:rPr lang="en-US" sz="2800" dirty="0" err="1">
+                <a:latin typeface="+mj-lt"/>
+              </a:rPr>
+              <a:t>GeoPose</a:t>
+            </a:r>
+            <a:r>
+              <a:rPr lang="en-US" sz="2800" dirty="0">
+                <a:latin typeface="+mj-lt"/>
+              </a:rPr>
+              <a:t> and oriented toward the current direction of the sun. Before applying the </a:t>
+            </a:r>
+            <a:r>
+              <a:rPr lang="en-US" sz="2800" i="1" dirty="0">
+                <a:latin typeface="+mj-lt"/>
+              </a:rPr>
+              <a:t>yaw</a:t>
+            </a:r>
+            <a:r>
+              <a:rPr lang="en-US" sz="2800" dirty="0">
+                <a:latin typeface="+mj-lt"/>
+              </a:rPr>
+              <a:t>, </a:t>
+            </a:r>
+            <a:r>
+              <a:rPr lang="en-US" sz="2800" i="1" dirty="0">
+                <a:latin typeface="+mj-lt"/>
+              </a:rPr>
+              <a:t>pitch</a:t>
+            </a:r>
+            <a:r>
+              <a:rPr lang="en-US" sz="2800" dirty="0">
+                <a:latin typeface="+mj-lt"/>
+              </a:rPr>
+              <a:t>, and </a:t>
+            </a:r>
+            <a:r>
+              <a:rPr lang="en-US" sz="2800" i="1" dirty="0">
+                <a:latin typeface="+mj-lt"/>
+              </a:rPr>
+              <a:t>roll</a:t>
+            </a:r>
+            <a:r>
+              <a:rPr lang="en-US" sz="2800" dirty="0">
+                <a:latin typeface="+mj-lt"/>
+              </a:rPr>
+              <a:t> angle rotations the camera is aligned with the axes of the outer reference frame. The first angle (</a:t>
+            </a:r>
+            <a:r>
+              <a:rPr lang="en-US" sz="2800" i="1" dirty="0">
+                <a:latin typeface="+mj-lt"/>
+              </a:rPr>
+              <a:t>yaw</a:t>
+            </a:r>
+            <a:r>
+              <a:rPr lang="en-US" sz="2800" dirty="0">
+                <a:latin typeface="+mj-lt"/>
+              </a:rPr>
+              <a:t>) is the rotation about the z axis: the horizontal direction of the Sun. The second angle (</a:t>
+            </a:r>
+            <a:r>
+              <a:rPr lang="en-US" sz="2800" i="1" dirty="0">
+                <a:latin typeface="+mj-lt"/>
+              </a:rPr>
+              <a:t>pitch</a:t>
+            </a:r>
+            <a:r>
+              <a:rPr lang="en-US" sz="2800" dirty="0">
+                <a:latin typeface="+mj-lt"/>
+              </a:rPr>
+              <a:t>) is the rotation about the (once rotated) y axis: the elevation of the Sun above the horizon. If the second angle is positive, then it is daytime. Otherwise it is night. The third angle (</a:t>
+            </a:r>
+            <a:r>
+              <a:rPr lang="en-US" sz="2800" i="1" dirty="0">
+                <a:latin typeface="+mj-lt"/>
+              </a:rPr>
+              <a:t>roll</a:t>
+            </a:r>
+            <a:r>
+              <a:rPr lang="en-US" sz="2800" dirty="0">
+                <a:latin typeface="+mj-lt"/>
+              </a:rPr>
+              <a:t>) is the rotation about the (twice rotated) z axis. It is always zero because the camera is (arbitrarily) kept horizontal with respect to the tangent plane. The samples in sequences are at successive times: now, 10 seconds in the future, and 20 seconds in the future.</a:t>
+            </a:r>
+          </a:p>
+          <a:p>
+            <a:r>
+              <a:rPr lang="en-US" sz="2800" dirty="0">
+                <a:latin typeface="+mj-lt"/>
+              </a:rPr>
+              <a:t>This service can also be used to validate the specifications and instances in the JSON encodings in the </a:t>
+            </a:r>
+            <a:r>
+              <a:rPr lang="en-US" sz="2800" dirty="0" err="1">
+                <a:latin typeface="+mj-lt"/>
+              </a:rPr>
+              <a:t>GeoPose</a:t>
+            </a:r>
+            <a:r>
+              <a:rPr lang="en-US" sz="2800" dirty="0">
+                <a:latin typeface="+mj-lt"/>
+              </a:rPr>
+              <a:t> standard.</a:t>
+            </a:r>
+          </a:p>
+          <a:p>
             <a:pPr marL="0" indent="0">
               <a:buNone/>
             </a:pPr>
@@ -6170,105 +6400,10 @@
           <a:lstStyle/>
           <a:p>
             <a:r>
-              <a:rPr lang="en-US" dirty="0"/>
-              <a:t>&lt;Presentation&gt;</a:t>
+              <a:rPr lang="en-US" dirty="0" err="1"/>
+              <a:t>SolarPose</a:t>
             </a:r>
-          </a:p>
-        </p:txBody>
-      </p:sp>
-      <p:sp>
-        <p:nvSpPr>
-          <p:cNvPr id="5" name="TextBox 4">
-            <a:extLst>
-              <a:ext uri="{FF2B5EF4-FFF2-40B4-BE49-F238E27FC236}">
-                <a16:creationId xmlns:a16="http://schemas.microsoft.com/office/drawing/2014/main" id="{DD5E750D-BE91-61BE-C7D1-067D23C6E829}"/>
-              </a:ext>
-            </a:extLst>
-          </p:cNvPr>
-          <p:cNvSpPr txBox="1"/>
-          <p:nvPr/>
-        </p:nvSpPr>
-        <p:spPr>
-          <a:xfrm>
-            <a:off x="4572000" y="2825380"/>
-            <a:ext cx="9144000" cy="3970318"/>
-          </a:xfrm>
-          <a:prstGeom prst="rect">
-            <a:avLst/>
-          </a:prstGeom>
-          <a:noFill/>
-        </p:spPr>
-        <p:txBody>
-          <a:bodyPr wrap="square">
-            <a:spAutoFit/>
-          </a:bodyPr>
-          <a:lstStyle/>
-          <a:p>
-            <a:r>
-              <a:rPr lang="en-US" dirty="0"/>
-              <a:t>2. Use Cases for </a:t>
-            </a:r>
-            <a:r>
-              <a:rPr lang="en-US" dirty="0" err="1"/>
-              <a:t>GeoPose</a:t>
-            </a:r>
-            <a:r>
-              <a:rPr lang="en-US" dirty="0"/>
-              <a:t> and Examples (#1)</a:t>
-            </a:r>
-          </a:p>
-          <a:p>
-            <a:r>
-              <a:rPr lang="en-US" dirty="0"/>
-              <a:t>Time: 9:20 – 10:00</a:t>
-            </a:r>
-          </a:p>
-          <a:p>
-            <a:r>
-              <a:rPr lang="en-US" dirty="0"/>
-              <a:t>Description: A pose—or point-of-view—is fundamentally about visual perception in 3D space, making it essential for use cases that involve sensing the absolute and relative position of things (stationary or moving objects, real or digital) or environmental forces (</a:t>
-            </a:r>
-            <a:r>
-              <a:rPr lang="en-US" dirty="0" err="1"/>
-              <a:t>eg.</a:t>
-            </a:r>
-            <a:r>
-              <a:rPr lang="en-US" dirty="0"/>
-              <a:t> odors, wind, sounds). </a:t>
-            </a:r>
-            <a:r>
-              <a:rPr lang="en-US" dirty="0" err="1"/>
-              <a:t>GeoPose</a:t>
-            </a:r>
-            <a:r>
-              <a:rPr lang="en-US" dirty="0"/>
-              <a:t> elevates this concept of 3D perception by anchoring pose data to a standardized Earth-based coordinate system. This powerful linkage enables precise navigation and situational awareness for a wide range of applications, including autonomous vehicles, collision avoidance, rendezvous operations, target tracking, motion capture, and even scenarios involving complex, jointed systems.</a:t>
-            </a:r>
-          </a:p>
-          <a:p>
-            <a:r>
-              <a:rPr lang="en-US" dirty="0"/>
-              <a:t>Moderator: Josh Lieberman, Tumbling Walls</a:t>
-            </a:r>
-          </a:p>
-          <a:p>
-            <a:r>
-              <a:rPr lang="en-US" dirty="0"/>
-              <a:t>Speakers: Steve Smyth, Open Site Plan; Mikel Salazar, IFE; Rob Smith, Away Team</a:t>
-            </a:r>
-          </a:p>
-          <a:p>
             <a:endParaRPr lang="en-US" dirty="0"/>
-          </a:p>
-          <a:p>
-            <a:r>
-              <a:rPr lang="en-US" dirty="0" err="1"/>
-              <a:t>Solarpose</a:t>
-            </a:r>
-            <a:r>
-              <a:rPr lang="en-US" dirty="0"/>
-              <a:t> slides 3 </a:t>
-            </a:r>
           </a:p>
         </p:txBody>
       </p:sp>
@@ -6286,208 +6421,6 @@
 </file>
 
 <file path=ppt/slides/slide4.xml><?xml version="1.0" encoding="utf-8"?>
-<p:sld xmlns:a="http://schemas.openxmlformats.org/drawingml/2006/main" xmlns:r="http://schemas.openxmlformats.org/officeDocument/2006/relationships" xmlns:p="http://schemas.openxmlformats.org/presentationml/2006/main">
-  <p:cSld>
-    <p:spTree>
-      <p:nvGrpSpPr>
-        <p:cNvPr id="1" name="">
-          <a:extLst>
-            <a:ext uri="{FF2B5EF4-FFF2-40B4-BE49-F238E27FC236}">
-              <a16:creationId xmlns:a16="http://schemas.microsoft.com/office/drawing/2014/main" id="{952B1FA5-0525-3B6E-FF46-02F9151C9182}"/>
-            </a:ext>
-          </a:extLst>
-        </p:cNvPr>
-        <p:cNvGrpSpPr/>
-        <p:nvPr/>
-      </p:nvGrpSpPr>
-      <p:grpSpPr>
-        <a:xfrm>
-          <a:off x="0" y="0"/>
-          <a:ext cx="0" cy="0"/>
-          <a:chOff x="0" y="0"/>
-          <a:chExt cx="0" cy="0"/>
-        </a:xfrm>
-      </p:grpSpPr>
-      <p:sp>
-        <p:nvSpPr>
-          <p:cNvPr id="2" name="Text Placeholder 1">
-            <a:extLst>
-              <a:ext uri="{FF2B5EF4-FFF2-40B4-BE49-F238E27FC236}">
-                <a16:creationId xmlns:a16="http://schemas.microsoft.com/office/drawing/2014/main" id="{246D624D-3EE8-FD39-9B1C-8227DCE93BCE}"/>
-              </a:ext>
-            </a:extLst>
-          </p:cNvPr>
-          <p:cNvSpPr>
-            <a:spLocks noGrp="1"/>
-          </p:cNvSpPr>
-          <p:nvPr>
-            <p:ph type="body" idx="16"/>
-          </p:nvPr>
-        </p:nvSpPr>
-        <p:spPr>
-          <a:xfrm>
-            <a:off x="838200" y="1866900"/>
-            <a:ext cx="16598236" cy="7309047"/>
-          </a:xfrm>
-        </p:spPr>
-        <p:txBody>
-          <a:bodyPr/>
-          <a:lstStyle/>
-          <a:p>
-            <a:pPr marL="0" indent="0">
-              <a:buNone/>
-            </a:pPr>
-            <a:endParaRPr lang="en-US" dirty="0"/>
-          </a:p>
-        </p:txBody>
-      </p:sp>
-      <p:sp>
-        <p:nvSpPr>
-          <p:cNvPr id="3" name="Title 2">
-            <a:extLst>
-              <a:ext uri="{FF2B5EF4-FFF2-40B4-BE49-F238E27FC236}">
-                <a16:creationId xmlns:a16="http://schemas.microsoft.com/office/drawing/2014/main" id="{4B721ADB-FA6A-57C6-CDFC-459611A24CFB}"/>
-              </a:ext>
-            </a:extLst>
-          </p:cNvPr>
-          <p:cNvSpPr>
-            <a:spLocks noGrp="1"/>
-          </p:cNvSpPr>
-          <p:nvPr>
-            <p:ph type="title"/>
-          </p:nvPr>
-        </p:nvSpPr>
-        <p:spPr/>
-        <p:txBody>
-          <a:bodyPr/>
-          <a:lstStyle/>
-          <a:p>
-            <a:r>
-              <a:rPr lang="en-US" dirty="0"/>
-              <a:t>&lt;Presentation </a:t>
-            </a:r>
-            <a:r>
-              <a:rPr lang="en-US" dirty="0" err="1"/>
-              <a:t>Wrapup</a:t>
-            </a:r>
-            <a:r>
-              <a:rPr lang="en-US" dirty="0"/>
-              <a:t>&gt;</a:t>
-            </a:r>
-          </a:p>
-        </p:txBody>
-      </p:sp>
-    </p:spTree>
-    <p:extLst>
-      <p:ext uri="{BB962C8B-B14F-4D97-AF65-F5344CB8AC3E}">
-        <p14:creationId xmlns:p14="http://schemas.microsoft.com/office/powerpoint/2010/main" val="4166484343"/>
-      </p:ext>
-    </p:extLst>
-  </p:cSld>
-  <p:clrMapOvr>
-    <a:masterClrMapping/>
-  </p:clrMapOvr>
-</p:sld>
-</file>
-
-<file path=ppt/slides/slide5.xml><?xml version="1.0" encoding="utf-8"?>
-<p:sld xmlns:a="http://schemas.openxmlformats.org/drawingml/2006/main" xmlns:r="http://schemas.openxmlformats.org/officeDocument/2006/relationships" xmlns:p="http://schemas.openxmlformats.org/presentationml/2006/main">
-  <p:cSld>
-    <p:spTree>
-      <p:nvGrpSpPr>
-        <p:cNvPr id="1" name="">
-          <a:extLst>
-            <a:ext uri="{FF2B5EF4-FFF2-40B4-BE49-F238E27FC236}">
-              <a16:creationId xmlns:a16="http://schemas.microsoft.com/office/drawing/2014/main" id="{30C1D94C-0EBC-3C1C-496A-141DC7339C15}"/>
-            </a:ext>
-          </a:extLst>
-        </p:cNvPr>
-        <p:cNvGrpSpPr/>
-        <p:nvPr/>
-      </p:nvGrpSpPr>
-      <p:grpSpPr>
-        <a:xfrm>
-          <a:off x="0" y="0"/>
-          <a:ext cx="0" cy="0"/>
-          <a:chOff x="0" y="0"/>
-          <a:chExt cx="0" cy="0"/>
-        </a:xfrm>
-      </p:grpSpPr>
-      <p:sp>
-        <p:nvSpPr>
-          <p:cNvPr id="2" name="Text Placeholder 1">
-            <a:extLst>
-              <a:ext uri="{FF2B5EF4-FFF2-40B4-BE49-F238E27FC236}">
-                <a16:creationId xmlns:a16="http://schemas.microsoft.com/office/drawing/2014/main" id="{C2EE1C65-1072-BAE4-D948-23E436144DA7}"/>
-              </a:ext>
-            </a:extLst>
-          </p:cNvPr>
-          <p:cNvSpPr>
-            <a:spLocks noGrp="1"/>
-          </p:cNvSpPr>
-          <p:nvPr>
-            <p:ph type="body" idx="16"/>
-          </p:nvPr>
-        </p:nvSpPr>
-        <p:spPr>
-          <a:xfrm>
-            <a:off x="838200" y="1866900"/>
-            <a:ext cx="16598236" cy="7309047"/>
-          </a:xfrm>
-        </p:spPr>
-        <p:txBody>
-          <a:bodyPr/>
-          <a:lstStyle/>
-          <a:p>
-            <a:pPr marL="0" indent="0">
-              <a:buNone/>
-            </a:pPr>
-            <a:endParaRPr lang="en-US" dirty="0"/>
-          </a:p>
-        </p:txBody>
-      </p:sp>
-      <p:sp>
-        <p:nvSpPr>
-          <p:cNvPr id="3" name="Title 2">
-            <a:extLst>
-              <a:ext uri="{FF2B5EF4-FFF2-40B4-BE49-F238E27FC236}">
-                <a16:creationId xmlns:a16="http://schemas.microsoft.com/office/drawing/2014/main" id="{5046611A-088E-953B-0399-5AD59D0FDBF4}"/>
-              </a:ext>
-            </a:extLst>
-          </p:cNvPr>
-          <p:cNvSpPr>
-            <a:spLocks noGrp="1"/>
-          </p:cNvSpPr>
-          <p:nvPr>
-            <p:ph type="title"/>
-          </p:nvPr>
-        </p:nvSpPr>
-        <p:spPr/>
-        <p:txBody>
-          <a:bodyPr/>
-          <a:lstStyle/>
-          <a:p>
-            <a:r>
-              <a:rPr lang="en-US" dirty="0"/>
-              <a:t>&lt;Questions&gt;</a:t>
-            </a:r>
-          </a:p>
-        </p:txBody>
-      </p:sp>
-    </p:spTree>
-    <p:extLst>
-      <p:ext uri="{BB962C8B-B14F-4D97-AF65-F5344CB8AC3E}">
-        <p14:creationId xmlns:p14="http://schemas.microsoft.com/office/powerpoint/2010/main" val="3367227334"/>
-      </p:ext>
-    </p:extLst>
-  </p:cSld>
-  <p:clrMapOvr>
-    <a:masterClrMapping/>
-  </p:clrMapOvr>
-</p:sld>
-</file>
-
-<file path=ppt/slides/slide6.xml><?xml version="1.0" encoding="utf-8"?>
 <p:sld xmlns:a="http://schemas.openxmlformats.org/drawingml/2006/main" xmlns:r="http://schemas.openxmlformats.org/officeDocument/2006/relationships" xmlns:p="http://schemas.openxmlformats.org/presentationml/2006/main">
   <p:cSld>
     <p:spTree>
@@ -7718,15 +7651,6 @@
 </file>
 
 <file path=customXml/item1.xml><?xml version="1.0" encoding="utf-8"?>
-<?mso-contentType ?>
-<FormTemplates xmlns="http://schemas.microsoft.com/sharepoint/v3/contenttype/forms">
-  <Display>DocumentLibraryForm</Display>
-  <Edit>DocumentLibraryForm</Edit>
-  <New>DocumentLibraryForm</New>
-</FormTemplates>
-</file>
-
-<file path=customXml/item2.xml><?xml version="1.0" encoding="utf-8"?>
 <ct:contentTypeSchema xmlns:ct="http://schemas.microsoft.com/office/2006/metadata/contentType" xmlns:ma="http://schemas.microsoft.com/office/2006/metadata/properties/metaAttributes" ct:_="" ma:_="" ma:contentTypeName="Document" ma:contentTypeID="0x01010043D6C5B1E4575B45A67252651D547745" ma:contentTypeVersion="5" ma:contentTypeDescription="Create a new document." ma:contentTypeScope="" ma:versionID="abcbbf97e778d2459eaf06a99253d27f">
   <xsd:schema xmlns:xsd="http://www.w3.org/2001/XMLSchema" xmlns:xs="http://www.w3.org/2001/XMLSchema" xmlns:p="http://schemas.microsoft.com/office/2006/metadata/properties" xmlns:ns3="c9d48118-3257-49e8-b197-f28d09ea93e0" targetNamespace="http://schemas.microsoft.com/office/2006/metadata/properties" ma:root="true" ma:fieldsID="4ab44e5032784fa9d2a4b9a076403eae" ns3:_="">
     <xsd:import namespace="c9d48118-3257-49e8-b197-f28d09ea93e0"/>
@@ -7878,6 +7802,15 @@
 </ct:contentTypeSchema>
 </file>
 
+<file path=customXml/item2.xml><?xml version="1.0" encoding="utf-8"?>
+<?mso-contentType ?>
+<FormTemplates xmlns="http://schemas.microsoft.com/sharepoint/v3/contenttype/forms">
+  <Display>DocumentLibraryForm</Display>
+  <Edit>DocumentLibraryForm</Edit>
+  <New>DocumentLibraryForm</New>
+</FormTemplates>
+</file>
+
 <file path=customXml/item3.xml><?xml version="1.0" encoding="utf-8"?>
 <p:properties xmlns:p="http://schemas.microsoft.com/office/2006/metadata/properties" xmlns:xsi="http://www.w3.org/2001/XMLSchema-instance" xmlns:pc="http://schemas.microsoft.com/office/infopath/2007/PartnerControls">
   <documentManagement/>
@@ -7885,14 +7818,6 @@
 </file>
 
 <file path=customXml/itemProps1.xml><?xml version="1.0" encoding="utf-8"?>
-<ds:datastoreItem xmlns:ds="http://schemas.openxmlformats.org/officeDocument/2006/customXml" ds:itemID="{A028D80A-D8F1-4E9F-96FE-EDED6B38411B}">
-  <ds:schemaRefs>
-    <ds:schemaRef ds:uri="http://schemas.microsoft.com/sharepoint/v3/contenttype/forms"/>
-  </ds:schemaRefs>
-</ds:datastoreItem>
-</file>
-
-<file path=customXml/itemProps2.xml><?xml version="1.0" encoding="utf-8"?>
 <ds:datastoreItem xmlns:ds="http://schemas.openxmlformats.org/officeDocument/2006/customXml" ds:itemID="{B1637B73-45C9-44F2-97E6-558EE7A2FC82}">
   <ds:schemaRefs>
     <ds:schemaRef ds:uri="http://schemas.microsoft.com/office/2006/metadata/contentType"/>
@@ -7906,6 +7831,14 @@
     <ds:schemaRef ds:uri="http://purl.org/dc/elements/1.1/"/>
     <ds:schemaRef ds:uri="http://purl.org/dc/terms/"/>
     <ds:schemaRef ds:uri="http://schemas.microsoft.com/internal/obd"/>
+  </ds:schemaRefs>
+</ds:datastoreItem>
+</file>
+
+<file path=customXml/itemProps2.xml><?xml version="1.0" encoding="utf-8"?>
+<ds:datastoreItem xmlns:ds="http://schemas.openxmlformats.org/officeDocument/2006/customXml" ds:itemID="{A028D80A-D8F1-4E9F-96FE-EDED6B38411B}">
+  <ds:schemaRefs>
+    <ds:schemaRef ds:uri="http://schemas.microsoft.com/sharepoint/v3/contenttype/forms"/>
   </ds:schemaRefs>
 </ds:datastoreItem>
 </file>

--- a/Presentations/2025_Summit/2025_Oct_27_Summit_Use_case.pptx
+++ b/Presentations/2025_Summit/2025_Oct_27_Summit_Use_case.pptx
@@ -957,7 +957,7 @@
         <a:p>
           <a:r>
             <a:rPr lang="en-US" dirty="0"/>
-            <a:t>I want to stare at the sun.</a:t>
+            <a:t>Which way to stare at the sun?</a:t>
           </a:r>
         </a:p>
       </dgm:t>
@@ -1396,7 +1396,7 @@
           </a:pPr>
           <a:r>
             <a:rPr lang="en-US" sz="4800" kern="1200" dirty="0"/>
-            <a:t>I want to stare at the sun.</a:t>
+            <a:t>Which way to stare at the sun?</a:t>
           </a:r>
         </a:p>
       </dsp:txBody>
@@ -3229,7 +3229,7 @@
           <a:p>
             <a:fld id="{8028D1E4-4BBA-6F41-9D9B-7C498DFA1119}" type="datetimeFigureOut">
               <a:rPr lang="en-US" smtClean="0"/>
-              <a:t>10/21/2025</a:t>
+              <a:t>10/22/2025</a:t>
             </a:fld>
             <a:endParaRPr lang="en-US"/>
           </a:p>
@@ -3406,7 +3406,7 @@
           <a:p>
             <a:fld id="{761ABE01-8AD2-744F-9651-CCC9DC857332}" type="datetimeFigureOut">
               <a:rPr lang="en-US" smtClean="0"/>
-              <a:t>10/21/2025</a:t>
+              <a:t>10/22/2025</a:t>
             </a:fld>
             <a:endParaRPr lang="en-US"/>
           </a:p>
@@ -5432,7 +5432,7 @@
             <a:fld id="{1D8BD707-D9CF-40AE-B4C6-C98DA3205C09}" type="datetimeFigureOut">
               <a:rPr lang="en-US" smtClean="0"/>
               <a:pPr/>
-              <a:t>10/21/2025</a:t>
+              <a:t>10/22/2025</a:t>
             </a:fld>
             <a:endParaRPr lang="en-US" dirty="0"/>
           </a:p>
@@ -6044,7 +6044,7 @@
           <a:p>
             <a:r>
               <a:rPr lang="en-US" sz="6900" dirty="0"/>
-              <a:t>Example Packaging in an API</a:t>
+              <a:t>Packaged in an API</a:t>
             </a:r>
           </a:p>
         </p:txBody>
@@ -6062,7 +6062,7 @@
           <p:nvPr>
             <p:extLst>
               <p:ext uri="{D42A27DB-BD31-4B8C-83A1-F6EECF244321}">
-                <p14:modId xmlns:p14="http://schemas.microsoft.com/office/powerpoint/2010/main" val="3846196553"/>
+                <p14:modId xmlns:p14="http://schemas.microsoft.com/office/powerpoint/2010/main" val="3476151343"/>
               </p:ext>
             </p:extLst>
           </p:nvPr>
@@ -6077,6 +6077,36 @@
           </a:graphicData>
         </a:graphic>
       </p:graphicFrame>
+      <p:pic>
+        <p:nvPicPr>
+          <p:cNvPr id="7" name="Picture 6">
+            <a:extLst>
+              <a:ext uri="{FF2B5EF4-FFF2-40B4-BE49-F238E27FC236}">
+                <a16:creationId xmlns:a16="http://schemas.microsoft.com/office/drawing/2014/main" id="{C78114F3-F009-8F4C-16E0-B044406EEC4F}"/>
+              </a:ext>
+            </a:extLst>
+          </p:cNvPr>
+          <p:cNvPicPr>
+            <a:picLocks noChangeAspect="1"/>
+          </p:cNvPicPr>
+          <p:nvPr/>
+        </p:nvPicPr>
+        <p:blipFill>
+          <a:blip r:embed="rId7"/>
+          <a:stretch>
+            <a:fillRect/>
+          </a:stretch>
+        </p:blipFill>
+        <p:spPr>
+          <a:xfrm>
+            <a:off x="5943600" y="6821627"/>
+            <a:ext cx="3482642" cy="3162574"/>
+          </a:xfrm>
+          <a:prstGeom prst="rect">
+            <a:avLst/>
+          </a:prstGeom>
+        </p:spPr>
+      </p:pic>
     </p:spTree>
     <p:extLst>
       <p:ext uri="{BB962C8B-B14F-4D97-AF65-F5344CB8AC3E}">
@@ -7651,6 +7681,15 @@
 </file>
 
 <file path=customXml/item1.xml><?xml version="1.0" encoding="utf-8"?>
+<?mso-contentType ?>
+<FormTemplates xmlns="http://schemas.microsoft.com/sharepoint/v3/contenttype/forms">
+  <Display>DocumentLibraryForm</Display>
+  <Edit>DocumentLibraryForm</Edit>
+  <New>DocumentLibraryForm</New>
+</FormTemplates>
+</file>
+
+<file path=customXml/item2.xml><?xml version="1.0" encoding="utf-8"?>
 <ct:contentTypeSchema xmlns:ct="http://schemas.microsoft.com/office/2006/metadata/contentType" xmlns:ma="http://schemas.microsoft.com/office/2006/metadata/properties/metaAttributes" ct:_="" ma:_="" ma:contentTypeName="Document" ma:contentTypeID="0x01010043D6C5B1E4575B45A67252651D547745" ma:contentTypeVersion="5" ma:contentTypeDescription="Create a new document." ma:contentTypeScope="" ma:versionID="abcbbf97e778d2459eaf06a99253d27f">
   <xsd:schema xmlns:xsd="http://www.w3.org/2001/XMLSchema" xmlns:xs="http://www.w3.org/2001/XMLSchema" xmlns:p="http://schemas.microsoft.com/office/2006/metadata/properties" xmlns:ns3="c9d48118-3257-49e8-b197-f28d09ea93e0" targetNamespace="http://schemas.microsoft.com/office/2006/metadata/properties" ma:root="true" ma:fieldsID="4ab44e5032784fa9d2a4b9a076403eae" ns3:_="">
     <xsd:import namespace="c9d48118-3257-49e8-b197-f28d09ea93e0"/>
@@ -7802,15 +7841,6 @@
 </ct:contentTypeSchema>
 </file>
 
-<file path=customXml/item2.xml><?xml version="1.0" encoding="utf-8"?>
-<?mso-contentType ?>
-<FormTemplates xmlns="http://schemas.microsoft.com/sharepoint/v3/contenttype/forms">
-  <Display>DocumentLibraryForm</Display>
-  <Edit>DocumentLibraryForm</Edit>
-  <New>DocumentLibraryForm</New>
-</FormTemplates>
-</file>
-
 <file path=customXml/item3.xml><?xml version="1.0" encoding="utf-8"?>
 <p:properties xmlns:p="http://schemas.microsoft.com/office/2006/metadata/properties" xmlns:xsi="http://www.w3.org/2001/XMLSchema-instance" xmlns:pc="http://schemas.microsoft.com/office/infopath/2007/PartnerControls">
   <documentManagement/>
@@ -7818,6 +7848,14 @@
 </file>
 
 <file path=customXml/itemProps1.xml><?xml version="1.0" encoding="utf-8"?>
+<ds:datastoreItem xmlns:ds="http://schemas.openxmlformats.org/officeDocument/2006/customXml" ds:itemID="{A028D80A-D8F1-4E9F-96FE-EDED6B38411B}">
+  <ds:schemaRefs>
+    <ds:schemaRef ds:uri="http://schemas.microsoft.com/sharepoint/v3/contenttype/forms"/>
+  </ds:schemaRefs>
+</ds:datastoreItem>
+</file>
+
+<file path=customXml/itemProps2.xml><?xml version="1.0" encoding="utf-8"?>
 <ds:datastoreItem xmlns:ds="http://schemas.openxmlformats.org/officeDocument/2006/customXml" ds:itemID="{B1637B73-45C9-44F2-97E6-558EE7A2FC82}">
   <ds:schemaRefs>
     <ds:schemaRef ds:uri="http://schemas.microsoft.com/office/2006/metadata/contentType"/>
@@ -7831,14 +7869,6 @@
     <ds:schemaRef ds:uri="http://purl.org/dc/elements/1.1/"/>
     <ds:schemaRef ds:uri="http://purl.org/dc/terms/"/>
     <ds:schemaRef ds:uri="http://schemas.microsoft.com/internal/obd"/>
-  </ds:schemaRefs>
-</ds:datastoreItem>
-</file>
-
-<file path=customXml/itemProps2.xml><?xml version="1.0" encoding="utf-8"?>
-<ds:datastoreItem xmlns:ds="http://schemas.openxmlformats.org/officeDocument/2006/customXml" ds:itemID="{A028D80A-D8F1-4E9F-96FE-EDED6B38411B}">
-  <ds:schemaRefs>
-    <ds:schemaRef ds:uri="http://schemas.microsoft.com/sharepoint/v3/contenttype/forms"/>
   </ds:schemaRefs>
 </ds:datastoreItem>
 </file>
